--- a/docs/slides/wk07-2024-02-22.pptx
+++ b/docs/slides/wk07-2024-02-22.pptx
@@ -19,6 +19,7 @@
     <p:sldId id="267" r:id="rId13"/>
     <p:sldId id="268" r:id="rId14"/>
     <p:sldId id="269" r:id="rId15"/>
+    <p:sldId id="270" r:id="rId16"/>
   </p:sldIdLst>
   <p:sldSz cx="9144000" cy="5143500" type="screen16x9"/>
   <p:notesSz cx="6858000" cy="9144000"/>
@@ -3214,12 +3215,12 @@
       </p:grpSpPr>
       <p:sp>
         <p:nvSpPr>
-          <p:cNvPr id="3" name="Content Placeholder 2"/>
-          <p:cNvSpPr>
-            <a:spLocks noGrp="1"/>
-          </p:cNvSpPr>
-          <p:nvPr>
-            <p:ph idx="1"/>
+          <p:cNvPr id="2" name="Title 1"/>
+          <p:cNvSpPr>
+            <a:spLocks noGrp="1"/>
+          </p:cNvSpPr>
+          <p:nvPr>
+            <p:ph type="title"/>
           </p:nvPr>
         </p:nvSpPr>
         <p:spPr/>
@@ -3231,10 +3232,68 @@
               <a:buNone/>
             </a:pPr>
             <a:r>
-              <a:rPr>
-                <a:hlinkClick r:id="rId2"/>
-              </a:rPr>
-              <a:t>resources/evolution</a:t>
+              <a:rPr/>
+              <a:t>In the beginning…</a:t>
+            </a:r>
+          </a:p>
+        </p:txBody>
+      </p:sp>
+      <p:pic>
+        <p:nvPicPr>
+          <p:cNvPr descr="https://www.nasa.gov/wp-content/uploads/2023/03/main_image_deep_field_smacs0723-5mb.jpg" id="0" name="Picture 1"/>
+          <p:cNvPicPr>
+            <a:picLocks noGrp="1" noChangeAspect="1"/>
+          </p:cNvPicPr>
+          <p:nvPr/>
+        </p:nvPicPr>
+        <p:blipFill>
+          <a:blip r:embed="rId2"/>
+          <a:stretch>
+            <a:fillRect/>
+          </a:stretch>
+        </p:blipFill>
+        <p:spPr bwMode="auto">
+          <a:xfrm>
+            <a:off x="3162300" y="1193800"/>
+            <a:ext cx="2832100" cy="2882900"/>
+          </a:xfrm>
+          <a:prstGeom prst="rect">
+            <a:avLst/>
+          </a:prstGeom>
+          <a:noFill/>
+          <a:ln w="9525">
+            <a:noFill/>
+            <a:headEnd/>
+            <a:tailEnd/>
+          </a:ln>
+        </p:spPr>
+      </p:pic>
+      <p:sp>
+        <p:nvSpPr>
+          <p:cNvPr id="1" name="TextBox 3"/>
+          <p:cNvSpPr txBox="1"/>
+          <p:nvPr/>
+        </p:nvSpPr>
+        <p:spPr>
+          <a:xfrm>
+            <a:off x="457200" y="4076700"/>
+            <a:ext cx="8229600" cy="508000"/>
+          </a:xfrm>
+          <a:prstGeom prst="rect">
+            <a:avLst/>
+          </a:prstGeom>
+          <a:noFill/>
+        </p:spPr>
+        <p:txBody>
+          <a:bodyPr/>
+          <a:lstStyle/>
+          <a:p>
+            <a:pPr lvl="0" indent="0" marL="0" algn="ctr">
+              <a:buNone/>
+            </a:pPr>
+            <a:r>
+              <a:rPr/>
+              <a:t>Near IR deep field (12.5 hr exposure) from JWST</a:t>
             </a:r>
           </a:p>
         </p:txBody>
@@ -3263,12 +3322,12 @@
       </p:grpSpPr>
       <p:sp>
         <p:nvSpPr>
-          <p:cNvPr id="2" name="Title 1"/>
-          <p:cNvSpPr>
-            <a:spLocks noGrp="1"/>
-          </p:cNvSpPr>
-          <p:nvPr>
-            <p:ph type="title"/>
+          <p:cNvPr id="3" name="Content Placeholder 2"/>
+          <p:cNvSpPr>
+            <a:spLocks noGrp="1"/>
+          </p:cNvSpPr>
+          <p:nvPr>
+            <p:ph idx="1"/>
           </p:nvPr>
         </p:nvSpPr>
         <p:spPr/>
@@ -3280,64 +3339,10 @@
               <a:buNone/>
             </a:pPr>
             <a:r>
-              <a:rPr/>
-              <a:t>Main points</a:t>
-            </a:r>
-          </a:p>
-        </p:txBody>
-      </p:sp>
-      <p:sp>
-        <p:nvSpPr>
-          <p:cNvPr id="3" name="Content Placeholder 2"/>
-          <p:cNvSpPr>
-            <a:spLocks noGrp="1"/>
-          </p:cNvSpPr>
-          <p:nvPr>
-            <p:ph idx="1"/>
-          </p:nvPr>
-        </p:nvSpPr>
-        <p:spPr/>
-        <p:txBody>
-          <a:bodyPr/>
-          <a:lstStyle/>
-          <a:p>
-            <a:pPr lvl="0"/>
-            <a:r>
-              <a:rPr/>
-              <a:t>Our solar system has a history ~1/3 as long as the Universe</a:t>
-            </a:r>
-          </a:p>
-          <a:p>
-            <a:pPr lvl="0"/>
-            <a:r>
-              <a:rPr/>
-              <a:t>Multi-cellular animals with nervous systems have a history ~1/7 as long as life on Earth</a:t>
-            </a:r>
-          </a:p>
-          <a:p>
-            <a:pPr lvl="0"/>
-            <a:r>
-              <a:rPr/>
-              <a:t>Substantial similarities in vertebrate nervous systems</a:t>
-            </a:r>
-          </a:p>
-          <a:p>
-            <a:pPr lvl="0"/>
-            <a:r>
-              <a:rPr/>
-              <a:t>Brain mass/body mass scaling</a:t>
-            </a:r>
-          </a:p>
-          <a:p>
-            <a:pPr lvl="0" indent="0" marL="0">
-              <a:spcBef>
-                <a:spcPts val="3000"/>
-              </a:spcBef>
-              <a:buNone/>
-            </a:pPr>
-            <a:r>
-              <a:rPr b="1"/>
-              <a:t>(&amp; subtypes) of cerebral cortical neurons distinguish human from other primate brains</a:t>
+              <a:rPr>
+                <a:hlinkClick r:id="rId2"/>
+              </a:rPr>
+              <a:t>resources/evolution</a:t>
             </a:r>
           </a:p>
         </p:txBody>
@@ -3384,7 +3389,7 @@
             </a:pPr>
             <a:r>
               <a:rPr/>
-              <a:t>Next time…</a:t>
+              <a:t>Main points</a:t>
             </a:r>
           </a:p>
         </p:txBody>
@@ -3407,7 +3412,40 @@
             <a:pPr lvl="0"/>
             <a:r>
               <a:rPr/>
-              <a:t>Development of the human brain</a:t>
+              <a:t>Our solar system has a history ~1/3 as long as the Universe</a:t>
+            </a:r>
+          </a:p>
+          <a:p>
+            <a:pPr lvl="0"/>
+            <a:r>
+              <a:rPr/>
+              <a:t>Multi-cellular animals with nervous systems have a history ~1/7 as long as life on Earth</a:t>
+            </a:r>
+          </a:p>
+          <a:p>
+            <a:pPr lvl="0"/>
+            <a:r>
+              <a:rPr/>
+              <a:t>Substantial similarities in vertebrate nervous systems</a:t>
+            </a:r>
+          </a:p>
+          <a:p>
+            <a:pPr lvl="0"/>
+            <a:r>
+              <a:rPr/>
+              <a:t>Brain mass/body mass scaling</a:t>
+            </a:r>
+          </a:p>
+          <a:p>
+            <a:pPr lvl="0" indent="0" marL="0">
+              <a:spcBef>
+                <a:spcPts val="3000"/>
+              </a:spcBef>
+              <a:buNone/>
+            </a:pPr>
+            <a:r>
+              <a:rPr b="1"/>
+              <a:t>(&amp; subtypes) of cerebral cortical neurons distinguish human from other primate brains</a:t>
             </a:r>
           </a:p>
         </p:txBody>
@@ -3444,12 +3482,7 @@
             <p:ph type="title"/>
           </p:nvPr>
         </p:nvSpPr>
-        <p:spPr>
-          <a:xfrm>
-            <a:off x="722313" y="3305176"/>
-            <a:ext cx="7772400" cy="1021556"/>
-          </a:xfrm>
-        </p:spPr>
+        <p:spPr/>
         <p:txBody>
           <a:bodyPr/>
           <a:lstStyle/>
@@ -3459,7 +3492,30 @@
             </a:pPr>
             <a:r>
               <a:rPr/>
-              <a:t>Resources</a:t>
+              <a:t>Next time…</a:t>
+            </a:r>
+          </a:p>
+        </p:txBody>
+      </p:sp>
+      <p:sp>
+        <p:nvSpPr>
+          <p:cNvPr id="3" name="Content Placeholder 2"/>
+          <p:cNvSpPr>
+            <a:spLocks noGrp="1"/>
+          </p:cNvSpPr>
+          <p:nvPr>
+            <p:ph idx="1"/>
+          </p:nvPr>
+        </p:nvSpPr>
+        <p:spPr/>
+        <p:txBody>
+          <a:bodyPr/>
+          <a:lstStyle/>
+          <a:p>
+            <a:pPr lvl="0"/>
+            <a:r>
+              <a:rPr/>
+              <a:t>Development of the human brain</a:t>
             </a:r>
           </a:p>
         </p:txBody>
@@ -3496,6 +3552,58 @@
             <p:ph type="title"/>
           </p:nvPr>
         </p:nvSpPr>
+        <p:spPr>
+          <a:xfrm>
+            <a:off x="722313" y="3305176"/>
+            <a:ext cx="7772400" cy="1021556"/>
+          </a:xfrm>
+        </p:spPr>
+        <p:txBody>
+          <a:bodyPr/>
+          <a:lstStyle/>
+          <a:p>
+            <a:pPr lvl="0" indent="0" marL="0">
+              <a:buNone/>
+            </a:pPr>
+            <a:r>
+              <a:rPr/>
+              <a:t>Resources</a:t>
+            </a:r>
+          </a:p>
+        </p:txBody>
+      </p:sp>
+    </p:spTree>
+  </p:cSld>
+</p:sld>
+</file>
+
+<file path=ppt/slides/slide15.xml><?xml version="1.0" encoding="utf-8"?>
+<p:sld xmlns:a="http://schemas.openxmlformats.org/drawingml/2006/main" xmlns:r="http://schemas.openxmlformats.org/officeDocument/2006/relationships" xmlns:p="http://schemas.openxmlformats.org/presentationml/2006/main">
+  <p:cSld>
+    <p:spTree>
+      <p:nvGrpSpPr>
+        <p:cNvPr id="1" name=""/>
+        <p:cNvGrpSpPr/>
+        <p:nvPr/>
+      </p:nvGrpSpPr>
+      <p:grpSpPr>
+        <a:xfrm>
+          <a:off x="0" y="0"/>
+          <a:ext cx="0" cy="0"/>
+          <a:chOff x="0" y="0"/>
+          <a:chExt cx="0" cy="0"/>
+        </a:xfrm>
+      </p:grpSpPr>
+      <p:sp>
+        <p:nvSpPr>
+          <p:cNvPr id="2" name="Title 1"/>
+          <p:cNvSpPr>
+            <a:spLocks noGrp="1"/>
+          </p:cNvSpPr>
+          <p:nvPr>
+            <p:ph type="title"/>
+          </p:nvPr>
+        </p:nvSpPr>
         <p:spPr/>
         <p:txBody>
           <a:bodyPr/>
@@ -3585,86 +3693,6 @@
           <a:chExt cx="0" cy="0"/>
         </a:xfrm>
       </p:grpSpPr>
-      <p:sp>
-        <p:nvSpPr>
-          <p:cNvPr id="2" name="Title 1"/>
-          <p:cNvSpPr>
-            <a:spLocks noGrp="1"/>
-          </p:cNvSpPr>
-          <p:nvPr>
-            <p:ph type="title"/>
-          </p:nvPr>
-        </p:nvSpPr>
-        <p:spPr/>
-        <p:txBody>
-          <a:bodyPr/>
-          <a:lstStyle/>
-          <a:p>
-            <a:pPr lvl="0" indent="0" marL="0">
-              <a:buNone/>
-            </a:pPr>
-            <a:r>
-              <a:rPr/>
-              <a:t>Announcements</a:t>
-            </a:r>
-          </a:p>
-        </p:txBody>
-      </p:sp>
-      <p:sp>
-        <p:nvSpPr>
-          <p:cNvPr id="3" name="Content Placeholder 2"/>
-          <p:cNvSpPr>
-            <a:spLocks noGrp="1"/>
-          </p:cNvSpPr>
-          <p:nvPr>
-            <p:ph idx="1"/>
-          </p:nvPr>
-        </p:nvSpPr>
-        <p:spPr/>
-        <p:txBody>
-          <a:bodyPr/>
-          <a:lstStyle/>
-          <a:p>
-            <a:pPr lvl="0"/>
-            <a:r>
-              <a:rPr>
-                <a:hlinkClick r:id="rId2"/>
-              </a:rPr>
-              <a:t>Exercise 05</a:t>
-            </a:r>
-            <a:r>
-              <a:rPr/>
-              <a:t> write-up due yesterday.</a:t>
-            </a:r>
-          </a:p>
-          <a:p>
-            <a:pPr lvl="0"/>
-            <a:r>
-              <a:rPr>
-                <a:hlinkClick r:id="rId3"/>
-              </a:rPr>
-              <a:t>Exercise 06</a:t>
-            </a:r>
-            <a:r>
-              <a:rPr/>
-              <a:t> write-up due next Wednesday.</a:t>
-            </a:r>
-          </a:p>
-          <a:p>
-            <a:pPr lvl="0"/>
-            <a:r>
-              <a:rPr/>
-              <a:t>Final project/paper proposal </a:t>
-            </a:r>
-            <a:r>
-              <a:rPr>
-                <a:hlinkClick r:id="rId4"/>
-              </a:rPr>
-              <a:t>due Thursday, February 29</a:t>
-            </a:r>
-          </a:p>
-        </p:txBody>
-      </p:sp>
     </p:spTree>
   </p:cSld>
 </p:sld>
@@ -3707,7 +3735,7 @@
             </a:pPr>
             <a:r>
               <a:rPr/>
-              <a:t>Last time…</a:t>
+              <a:t>Announcements</a:t>
             </a:r>
           </a:p>
         </p:txBody>
@@ -3729,8 +3757,40 @@
           <a:p>
             <a:pPr lvl="0"/>
             <a:r>
+              <a:rPr>
+                <a:hlinkClick r:id="rId2"/>
+              </a:rPr>
+              <a:t>Exercise 05</a:t>
+            </a:r>
+            <a:r>
               <a:rPr/>
-              <a:t>Methods in neuroscience</a:t>
+              <a:t> write-up due yesterday.</a:t>
+            </a:r>
+          </a:p>
+          <a:p>
+            <a:pPr lvl="0"/>
+            <a:r>
+              <a:rPr>
+                <a:hlinkClick r:id="rId3"/>
+              </a:rPr>
+              <a:t>Exercise 06</a:t>
+            </a:r>
+            <a:r>
+              <a:rPr/>
+              <a:t> write-up due next Wednesday.</a:t>
+            </a:r>
+          </a:p>
+          <a:p>
+            <a:pPr lvl="0"/>
+            <a:r>
+              <a:rPr/>
+              <a:t>Final project/paper proposal </a:t>
+            </a:r>
+            <a:r>
+              <a:rPr>
+                <a:hlinkClick r:id="rId4"/>
+              </a:rPr>
+              <a:t>due Thursday, February 29</a:t>
             </a:r>
           </a:p>
         </p:txBody>
@@ -3759,6 +3819,31 @@
       </p:grpSpPr>
       <p:sp>
         <p:nvSpPr>
+          <p:cNvPr id="2" name="Title 1"/>
+          <p:cNvSpPr>
+            <a:spLocks noGrp="1"/>
+          </p:cNvSpPr>
+          <p:nvPr>
+            <p:ph type="title"/>
+          </p:nvPr>
+        </p:nvSpPr>
+        <p:spPr/>
+        <p:txBody>
+          <a:bodyPr/>
+          <a:lstStyle/>
+          <a:p>
+            <a:pPr lvl="0" indent="0" marL="0">
+              <a:buNone/>
+            </a:pPr>
+            <a:r>
+              <a:rPr/>
+              <a:t>Last time…</a:t>
+            </a:r>
+          </a:p>
+        </p:txBody>
+      </p:sp>
+      <p:sp>
+        <p:nvSpPr>
           <p:cNvPr id="3" name="Content Placeholder 2"/>
           <p:cNvSpPr>
             <a:spLocks noGrp="1"/>
@@ -3772,15 +3857,10 @@
           <a:bodyPr/>
           <a:lstStyle/>
           <a:p>
-            <a:pPr lvl="0" indent="0" marL="0">
-              <a:spcBef>
-                <a:spcPts val="3000"/>
-              </a:spcBef>
-              <a:buNone/>
-            </a:pPr>
-            <a:r>
-              <a:rPr b="1"/>
-              <a:t>When and why would you choose EEG/ERP over fMRI?</a:t>
+            <a:pPr lvl="0"/>
+            <a:r>
+              <a:rPr/>
+              <a:t>Methods in neuroscience</a:t>
             </a:r>
           </a:p>
         </p:txBody>
@@ -3830,7 +3910,7 @@
             </a:pPr>
             <a:r>
               <a:rPr b="1"/>
-              <a:t>Why do single unit recordings have the finest spatial and temporal resolution among neuroscience methods?</a:t>
+              <a:t>When and why would you choose EEG/ERP over fMRI?</a:t>
             </a:r>
           </a:p>
         </p:txBody>
@@ -3859,12 +3939,12 @@
       </p:grpSpPr>
       <p:sp>
         <p:nvSpPr>
-          <p:cNvPr id="2" name="Title 1"/>
-          <p:cNvSpPr>
-            <a:spLocks noGrp="1"/>
-          </p:cNvSpPr>
-          <p:nvPr>
-            <p:ph type="title"/>
+          <p:cNvPr id="3" name="Content Placeholder 2"/>
+          <p:cNvSpPr>
+            <a:spLocks noGrp="1"/>
+          </p:cNvSpPr>
+          <p:nvPr>
+            <p:ph idx="1"/>
           </p:nvPr>
         </p:nvSpPr>
         <p:spPr/>
@@ -3873,34 +3953,14 @@
           <a:lstStyle/>
           <a:p>
             <a:pPr lvl="0" indent="0" marL="0">
+              <a:spcBef>
+                <a:spcPts val="3000"/>
+              </a:spcBef>
               <a:buNone/>
             </a:pPr>
             <a:r>
-              <a:rPr/>
-              <a:t>Today’s topics</a:t>
-            </a:r>
-          </a:p>
-        </p:txBody>
-      </p:sp>
-      <p:sp>
-        <p:nvSpPr>
-          <p:cNvPr id="3" name="Content Placeholder 2"/>
-          <p:cNvSpPr>
-            <a:spLocks noGrp="1"/>
-          </p:cNvSpPr>
-          <p:nvPr>
-            <p:ph idx="1"/>
-          </p:nvPr>
-        </p:nvSpPr>
-        <p:spPr/>
-        <p:txBody>
-          <a:bodyPr/>
-          <a:lstStyle/>
-          <a:p>
-            <a:pPr lvl="0"/>
-            <a:r>
-              <a:rPr/>
-              <a:t>Evolution of nervous systems</a:t>
+              <a:rPr b="1"/>
+              <a:t>Why do single unit recordings have the finest spatial and temporal resolution among neuroscience methods?</a:t>
             </a:r>
           </a:p>
         </p:txBody>
@@ -3937,12 +3997,7 @@
             <p:ph type="title"/>
           </p:nvPr>
         </p:nvSpPr>
-        <p:spPr>
-          <a:xfrm>
-            <a:off x="722313" y="3305176"/>
-            <a:ext cx="7772400" cy="1021556"/>
-          </a:xfrm>
-        </p:spPr>
+        <p:spPr/>
         <p:txBody>
           <a:bodyPr/>
           <a:lstStyle/>
@@ -3952,7 +4007,30 @@
             </a:pPr>
             <a:r>
               <a:rPr/>
-              <a:t>Evolution</a:t>
+              <a:t>Today’s topics</a:t>
+            </a:r>
+          </a:p>
+        </p:txBody>
+      </p:sp>
+      <p:sp>
+        <p:nvSpPr>
+          <p:cNvPr id="3" name="Content Placeholder 2"/>
+          <p:cNvSpPr>
+            <a:spLocks noGrp="1"/>
+          </p:cNvSpPr>
+          <p:nvPr>
+            <p:ph idx="1"/>
+          </p:nvPr>
+        </p:nvSpPr>
+        <p:spPr/>
+        <p:txBody>
+          <a:bodyPr/>
+          <a:lstStyle/>
+          <a:p>
+            <a:pPr lvl="0"/>
+            <a:r>
+              <a:rPr/>
+              <a:t>Evolution of nervous systems</a:t>
             </a:r>
           </a:p>
         </p:txBody>
@@ -3989,77 +4067,22 @@
             <p:ph type="title"/>
           </p:nvPr>
         </p:nvSpPr>
-        <p:spPr/>
-        <p:txBody>
-          <a:bodyPr/>
-          <a:lstStyle/>
-          <a:p>
-            <a:pPr lvl="0" indent="0" marL="0">
-              <a:buNone/>
-            </a:pPr>
-            <a:r>
-              <a:rPr/>
-              <a:t>In the beginning…</a:t>
-            </a:r>
-          </a:p>
-        </p:txBody>
-      </p:sp>
-      <p:pic>
-        <p:nvPicPr>
-          <p:cNvPr descr="https://www.nasa.gov/wp-content/uploads/2023/03/main_image_deep_field_smacs0723-5mb.jpg" id="0" name="Picture 1"/>
-          <p:cNvPicPr>
-            <a:picLocks noGrp="1" noChangeAspect="1"/>
-          </p:cNvPicPr>
-          <p:nvPr/>
-        </p:nvPicPr>
-        <p:blipFill>
-          <a:blip r:embed="rId2"/>
-          <a:stretch>
-            <a:fillRect/>
-          </a:stretch>
-        </p:blipFill>
-        <p:spPr bwMode="auto">
-          <a:xfrm>
-            <a:off x="3162300" y="1193800"/>
-            <a:ext cx="2819400" cy="2882900"/>
-          </a:xfrm>
-          <a:prstGeom prst="rect">
-            <a:avLst/>
-          </a:prstGeom>
-          <a:noFill/>
-          <a:ln w="9525">
-            <a:noFill/>
-            <a:headEnd/>
-            <a:tailEnd/>
-          </a:ln>
-        </p:spPr>
-      </p:pic>
-      <p:sp>
-        <p:nvSpPr>
-          <p:cNvPr id="1" name="TextBox 3"/>
-          <p:cNvSpPr txBox="1"/>
-          <p:nvPr/>
-        </p:nvSpPr>
         <p:spPr>
           <a:xfrm>
-            <a:off x="457200" y="4076700"/>
-            <a:ext cx="8229600" cy="508000"/>
+            <a:off x="722313" y="3305176"/>
+            <a:ext cx="7772400" cy="1021556"/>
           </a:xfrm>
-          <a:prstGeom prst="rect">
-            <a:avLst/>
-          </a:prstGeom>
-          <a:noFill/>
         </p:spPr>
         <p:txBody>
           <a:bodyPr/>
           <a:lstStyle/>
           <a:p>
-            <a:pPr lvl="0" indent="0" marL="0" algn="ctr">
+            <a:pPr lvl="0" indent="0" marL="0">
               <a:buNone/>
             </a:pPr>
             <a:r>
               <a:rPr/>
-              <a:t>Near IR deep field (12.5 hr exposure) from JWST</a:t>
+              <a:t>Evolution</a:t>
             </a:r>
           </a:p>
         </p:txBody>
